--- a/PS4/PS4_report_template.pptx
+++ b/PS4/PS4_report_template.pptx
@@ -322,6 +322,11 @@
       </a:defRPr>
     </a:lvl9pPr>
   </p:defaultTextStyle>
+  <p:extLst>
+    <p:ext uri="{EFAFB233-063F-42B5-8137-9DF3F51BA10A}">
+      <p15:sldGuideLst xmlns:p15="http://schemas.microsoft.com/office/powerpoint/2012/main"/>
+    </p:ext>
+  </p:extLst>
 </p:presentation>
 </file>
 
@@ -2016,7 +2021,7 @@
           </a:ln>
           <a:extLst>
             <a:ext uri="{C572A759-6A51-4108-AA02-DFA0A04FC94B}">
-              <ma14:wrappingTextBoxFlag xmlns:ma14="http://schemas.microsoft.com/office/mac/drawingml/2011/main" xmlns:a14="http://schemas.microsoft.com/office/drawing/2010/main" xmlns:m="http://schemas.openxmlformats.org/officeDocument/2006/math" xmlns="" val="1"/>
+              <ma14:wrappingTextBoxFlag xmlns="" xmlns:m="http://schemas.openxmlformats.org/officeDocument/2006/math" xmlns:a14="http://schemas.microsoft.com/office/drawing/2010/main" xmlns:ma14="http://schemas.microsoft.com/office/mac/drawingml/2011/main" val="1"/>
             </a:ext>
           </a:extLst>
         </p:spPr>
@@ -2055,7 +2060,7 @@
           </a:ln>
           <a:extLst>
             <a:ext uri="{C572A759-6A51-4108-AA02-DFA0A04FC94B}">
-              <ma14:wrappingTextBoxFlag xmlns:ma14="http://schemas.microsoft.com/office/mac/drawingml/2011/main" xmlns:a14="http://schemas.microsoft.com/office/drawing/2010/main" xmlns:m="http://schemas.openxmlformats.org/officeDocument/2006/math" xmlns="" val="1"/>
+              <ma14:wrappingTextBoxFlag xmlns="" xmlns:m="http://schemas.openxmlformats.org/officeDocument/2006/math" xmlns:a14="http://schemas.microsoft.com/office/drawing/2010/main" xmlns:ma14="http://schemas.microsoft.com/office/mac/drawingml/2011/main" val="1"/>
             </a:ext>
           </a:extLst>
         </p:spPr>
@@ -3475,6 +3480,7 @@
           </a:lstStyle>
           <a:p>
             <a:r>
+              <a:rPr dirty="0"/>
               <a:t>1.1 Color Quantization of RGB Images</a:t>
             </a:r>
           </a:p>
@@ -3482,41 +3488,173 @@
       </p:sp>
       <p:sp>
         <p:nvSpPr>
-          <p:cNvPr id="113" name="Google Shape;68;p15"/>
-          <p:cNvSpPr txBox="1">
-            <a:spLocks noGrp="1"/>
-          </p:cNvSpPr>
-          <p:nvPr>
-            <p:ph type="body" idx="1"/>
-          </p:nvPr>
+          <p:cNvPr id="2" name="TextBox 1">
+            <a:extLst>
+              <a:ext uri="{FF2B5EF4-FFF2-40B4-BE49-F238E27FC236}">
+                <a16:creationId xmlns:a16="http://schemas.microsoft.com/office/drawing/2014/main" id="{3B4ED185-F900-4398-889D-404B1FFD459A}"/>
+              </a:ext>
+            </a:extLst>
+          </p:cNvPr>
+          <p:cNvSpPr txBox="1"/>
+          <p:nvPr/>
         </p:nvSpPr>
         <p:spPr>
           <a:xfrm>
-            <a:off x="264565" y="982793"/>
-            <a:ext cx="8169443" cy="3416401"/>
+            <a:off x="2340000" y="1631694"/>
+            <a:ext cx="92396" cy="307775"/>
           </a:xfrm>
           <a:prstGeom prst="rect">
             <a:avLst/>
           </a:prstGeom>
+          <a:noFill/>
+          <a:ln w="12700" cap="flat">
+            <a:noFill/>
+            <a:miter lim="400000"/>
+          </a:ln>
+          <a:effectLst/>
+          <a:sp3d/>
         </p:spPr>
+        <p:style>
+          <a:lnRef idx="0">
+            <a:scrgbClr r="0" g="0" b="0"/>
+          </a:lnRef>
+          <a:fillRef idx="0">
+            <a:scrgbClr r="0" g="0" b="0"/>
+          </a:fillRef>
+          <a:effectRef idx="0">
+            <a:scrgbClr r="0" g="0" b="0"/>
+          </a:effectRef>
+          <a:fontRef idx="none"/>
+        </p:style>
         <p:txBody>
-          <a:bodyPr/>
-          <a:lstStyle>
-            <a:lvl1pPr marL="0" indent="0">
+          <a:bodyPr rot="0" spcFirstLastPara="1" vertOverflow="overflow" horzOverflow="overflow" vert="horz" wrap="none" lIns="45719" tIns="45719" rIns="45719" bIns="45719" numCol="1" spcCol="38100" rtlCol="0" anchor="t">
+            <a:spAutoFit/>
+          </a:bodyPr>
+          <a:lstStyle/>
+          <a:p>
+            <a:pPr marL="0" marR="0" indent="0" algn="l" defTabSz="914400" rtl="0" fontAlgn="auto" latinLnBrk="0" hangingPunct="0">
+              <a:lnSpc>
+                <a:spcPct val="100000"/>
+              </a:lnSpc>
               <a:spcBef>
-                <a:spcPts val="1600"/>
+                <a:spcPts val="0"/>
               </a:spcBef>
+              <a:spcAft>
+                <a:spcPts val="0"/>
+              </a:spcAft>
+              <a:buClrTx/>
               <a:buSzTx/>
+              <a:buFontTx/>
               <a:buNone/>
-            </a:lvl1pPr>
-          </a:lstStyle>
-          <a:p>
-            <a:r>
-              <a:t>&lt; insert visualizations of the quantized RGB image at k = 3, 5, 10 here as noted proj4.ipynb&gt;</a:t>
-            </a:r>
+              <a:tabLst/>
+            </a:pPr>
+            <a:endParaRPr kumimoji="0" lang="en-US" sz="1400" b="0" i="0" u="none" strike="noStrike" cap="none" spc="0" normalizeH="0" baseline="0" dirty="0">
+              <a:ln>
+                <a:noFill/>
+              </a:ln>
+              <a:solidFill>
+                <a:srgbClr val="000000"/>
+              </a:solidFill>
+              <a:effectLst/>
+              <a:uFillTx/>
+              <a:latin typeface="+mj-lt"/>
+              <a:ea typeface="+mj-ea"/>
+              <a:cs typeface="+mj-cs"/>
+              <a:sym typeface="Arial"/>
+            </a:endParaRPr>
           </a:p>
         </p:txBody>
       </p:sp>
+      <p:pic>
+        <p:nvPicPr>
+          <p:cNvPr id="1036" name="Picture 12">
+            <a:extLst>
+              <a:ext uri="{FF2B5EF4-FFF2-40B4-BE49-F238E27FC236}">
+                <a16:creationId xmlns:a16="http://schemas.microsoft.com/office/drawing/2014/main" id="{A6A54D63-17E2-47AD-9013-98222B0A852F}"/>
+              </a:ext>
+            </a:extLst>
+          </p:cNvPr>
+          <p:cNvPicPr>
+            <a:picLocks noChangeAspect="1" noChangeArrowheads="1"/>
+          </p:cNvPicPr>
+          <p:nvPr/>
+        </p:nvPicPr>
+        <p:blipFill rotWithShape="1">
+          <a:blip r:embed="rId2">
+            <a:extLst>
+              <a:ext uri="{28A0092B-C50C-407E-A947-70E740481C1C}">
+                <a14:useLocalDpi xmlns:a14="http://schemas.microsoft.com/office/drawing/2010/main" val="0"/>
+              </a:ext>
+            </a:extLst>
+          </a:blip>
+          <a:srcRect b="64108"/>
+          <a:stretch/>
+        </p:blipFill>
+        <p:spPr bwMode="auto">
+          <a:xfrm>
+            <a:off x="1563428" y="1017726"/>
+            <a:ext cx="5614987" cy="1846118"/>
+          </a:xfrm>
+          <a:prstGeom prst="rect">
+            <a:avLst/>
+          </a:prstGeom>
+          <a:noFill/>
+          <a:extLst>
+            <a:ext uri="{909E8E84-426E-40DD-AFC4-6F175D3DCCD1}">
+              <a14:hiddenFill xmlns:a14="http://schemas.microsoft.com/office/drawing/2010/main">
+                <a:solidFill>
+                  <a:srgbClr val="FFFFFF"/>
+                </a:solidFill>
+              </a14:hiddenFill>
+            </a:ext>
+          </a:extLst>
+        </p:spPr>
+      </p:pic>
+      <p:pic>
+        <p:nvPicPr>
+          <p:cNvPr id="1038" name="Picture 14">
+            <a:extLst>
+              <a:ext uri="{FF2B5EF4-FFF2-40B4-BE49-F238E27FC236}">
+                <a16:creationId xmlns:a16="http://schemas.microsoft.com/office/drawing/2014/main" id="{7C751E24-7646-4E12-9155-E04CFD988181}"/>
+              </a:ext>
+            </a:extLst>
+          </p:cNvPr>
+          <p:cNvPicPr>
+            <a:picLocks noChangeAspect="1" noChangeArrowheads="1"/>
+          </p:cNvPicPr>
+          <p:nvPr/>
+        </p:nvPicPr>
+        <p:blipFill rotWithShape="1">
+          <a:blip r:embed="rId2">
+            <a:extLst>
+              <a:ext uri="{28A0092B-C50C-407E-A947-70E740481C1C}">
+                <a14:useLocalDpi xmlns:a14="http://schemas.microsoft.com/office/drawing/2010/main" val="0"/>
+              </a:ext>
+            </a:extLst>
+          </a:blip>
+          <a:srcRect t="55000" r="51415" b="6128"/>
+          <a:stretch/>
+        </p:blipFill>
+        <p:spPr bwMode="auto">
+          <a:xfrm>
+            <a:off x="3006912" y="2699076"/>
+            <a:ext cx="2728018" cy="1999399"/>
+          </a:xfrm>
+          <a:prstGeom prst="rect">
+            <a:avLst/>
+          </a:prstGeom>
+          <a:noFill/>
+          <a:extLst>
+            <a:ext uri="{909E8E84-426E-40DD-AFC4-6F175D3DCCD1}">
+              <a14:hiddenFill xmlns:a14="http://schemas.microsoft.com/office/drawing/2010/main">
+                <a:solidFill>
+                  <a:srgbClr val="FFFFFF"/>
+                </a:solidFill>
+              </a14:hiddenFill>
+            </a:ext>
+          </a:extLst>
+        </p:spPr>
+      </p:pic>
     </p:spTree>
   </p:cSld>
   <p:clrMapOvr>
@@ -3573,48 +3711,102 @@
           </a:lstStyle>
           <a:p>
             <a:r>
+              <a:rPr dirty="0"/>
               <a:t>1.2 Color Quantization of HSV Images</a:t>
             </a:r>
           </a:p>
         </p:txBody>
       </p:sp>
-      <p:sp>
-        <p:nvSpPr>
-          <p:cNvPr id="116" name="Google Shape;68;p15"/>
-          <p:cNvSpPr txBox="1">
-            <a:spLocks noGrp="1"/>
-          </p:cNvSpPr>
-          <p:nvPr>
-            <p:ph type="body" idx="1"/>
-          </p:nvPr>
-        </p:nvSpPr>
-        <p:spPr>
+      <p:pic>
+        <p:nvPicPr>
+          <p:cNvPr id="5" name="Picture 2">
+            <a:extLst>
+              <a:ext uri="{FF2B5EF4-FFF2-40B4-BE49-F238E27FC236}">
+                <a16:creationId xmlns:a16="http://schemas.microsoft.com/office/drawing/2014/main" id="{36E5FBC3-E87D-4207-B569-8006F1200E91}"/>
+              </a:ext>
+            </a:extLst>
+          </p:cNvPr>
+          <p:cNvPicPr>
+            <a:picLocks noChangeAspect="1" noChangeArrowheads="1"/>
+          </p:cNvPicPr>
+          <p:nvPr/>
+        </p:nvPicPr>
+        <p:blipFill rotWithShape="1">
+          <a:blip r:embed="rId2">
+            <a:extLst>
+              <a:ext uri="{28A0092B-C50C-407E-A947-70E740481C1C}">
+                <a14:useLocalDpi xmlns:a14="http://schemas.microsoft.com/office/drawing/2010/main" val="0"/>
+              </a:ext>
+            </a:extLst>
+          </a:blip>
+          <a:srcRect b="61953"/>
+          <a:stretch/>
+        </p:blipFill>
+        <p:spPr bwMode="auto">
           <a:xfrm>
-            <a:off x="264565" y="982793"/>
-            <a:ext cx="8169443" cy="3416401"/>
+            <a:off x="1764506" y="1017726"/>
+            <a:ext cx="5614987" cy="1956955"/>
           </a:xfrm>
           <a:prstGeom prst="rect">
             <a:avLst/>
           </a:prstGeom>
+          <a:noFill/>
+          <a:extLst>
+            <a:ext uri="{909E8E84-426E-40DD-AFC4-6F175D3DCCD1}">
+              <a14:hiddenFill xmlns:a14="http://schemas.microsoft.com/office/drawing/2010/main">
+                <a:solidFill>
+                  <a:srgbClr val="FFFFFF"/>
+                </a:solidFill>
+              </a14:hiddenFill>
+            </a:ext>
+          </a:extLst>
         </p:spPr>
-        <p:txBody>
-          <a:bodyPr/>
-          <a:lstStyle>
-            <a:lvl1pPr marL="0" indent="0">
-              <a:spcBef>
-                <a:spcPts val="1600"/>
-              </a:spcBef>
-              <a:buSzTx/>
-              <a:buNone/>
-            </a:lvl1pPr>
-          </a:lstStyle>
-          <a:p>
-            <a:r>
-              <a:t>&lt; insert visualizations of the quantized HSV image at k = 3, 5, 10 here as noted proj4.ipynb&gt;</a:t>
-            </a:r>
-          </a:p>
-        </p:txBody>
-      </p:sp>
+      </p:pic>
+      <p:pic>
+        <p:nvPicPr>
+          <p:cNvPr id="6" name="Picture 2">
+            <a:extLst>
+              <a:ext uri="{FF2B5EF4-FFF2-40B4-BE49-F238E27FC236}">
+                <a16:creationId xmlns:a16="http://schemas.microsoft.com/office/drawing/2014/main" id="{2CACC640-C8EC-49A6-A299-22925CFB4C37}"/>
+              </a:ext>
+            </a:extLst>
+          </p:cNvPr>
+          <p:cNvPicPr>
+            <a:picLocks noChangeAspect="1" noChangeArrowheads="1"/>
+          </p:cNvPicPr>
+          <p:nvPr/>
+        </p:nvPicPr>
+        <p:blipFill rotWithShape="1">
+          <a:blip r:embed="rId2">
+            <a:extLst>
+              <a:ext uri="{28A0092B-C50C-407E-A947-70E740481C1C}">
+                <a14:useLocalDpi xmlns:a14="http://schemas.microsoft.com/office/drawing/2010/main" val="0"/>
+              </a:ext>
+            </a:extLst>
+          </a:blip>
+          <a:srcRect t="55421" r="53749" b="6936"/>
+          <a:stretch/>
+        </p:blipFill>
+        <p:spPr bwMode="auto">
+          <a:xfrm>
+            <a:off x="3273496" y="2762301"/>
+            <a:ext cx="2597006" cy="1936174"/>
+          </a:xfrm>
+          <a:prstGeom prst="rect">
+            <a:avLst/>
+          </a:prstGeom>
+          <a:noFill/>
+          <a:extLst>
+            <a:ext uri="{909E8E84-426E-40DD-AFC4-6F175D3DCCD1}">
+              <a14:hiddenFill xmlns:a14="http://schemas.microsoft.com/office/drawing/2010/main">
+                <a:solidFill>
+                  <a:srgbClr val="FFFFFF"/>
+                </a:solidFill>
+              </a14:hiddenFill>
+            </a:ext>
+          </a:extLst>
+        </p:spPr>
+      </p:pic>
     </p:spTree>
   </p:cSld>
   <p:clrMapOvr>
@@ -3706,16 +3898,7 @@
               <a:buSzTx/>
               <a:buNone/>
             </a:pPr>
-            <a:r>
-              <a:t>&lt; Enter values as log</a:t>
-            </a:r>
-            <a:r>
-              <a:rPr baseline="-22285"/>
-              <a:t>e</a:t>
-            </a:r>
-            <a:r>
-              <a:t>(error) &gt; </a:t>
-            </a:r>
+            <a:endParaRPr dirty="0"/>
           </a:p>
         </p:txBody>
       </p:sp>
@@ -3723,7 +3906,13 @@
         <p:nvGraphicFramePr>
           <p:cNvPr id="120" name="Google Shape;79;p9"/>
           <p:cNvGraphicFramePr/>
-          <p:nvPr/>
+          <p:nvPr>
+            <p:extLst>
+              <p:ext uri="{D42A27DB-BD31-4B8C-83A1-F6EECF244321}">
+                <p14:modId xmlns:p14="http://schemas.microsoft.com/office/powerpoint/2010/main" val="1408532430"/>
+              </p:ext>
+            </p:extLst>
+          </p:nvPr>
         </p:nvGraphicFramePr>
         <p:xfrm>
           <a:off x="952500" y="1809750"/>
@@ -3926,7 +4115,11 @@
                       <a:pPr algn="l">
                         <a:defRPr sz="1400"/>
                       </a:pPr>
-                      <a:endParaRPr/>
+                      <a:r>
+                        <a:rPr lang="en-US" dirty="0"/>
+                        <a:t>17.729</a:t>
+                      </a:r>
+                      <a:endParaRPr dirty="0"/>
                     </a:p>
                   </a:txBody>
                   <a:tcPr marL="91425" marR="91425" marT="91425" marB="91425" horzOverflow="overflow">
@@ -3961,7 +4154,11 @@
                       <a:pPr algn="l">
                         <a:defRPr sz="1400"/>
                       </a:pPr>
-                      <a:endParaRPr/>
+                      <a:r>
+                        <a:rPr lang="en-US" dirty="0"/>
+                        <a:t>19.192</a:t>
+                      </a:r>
+                      <a:endParaRPr dirty="0"/>
                     </a:p>
                   </a:txBody>
                   <a:tcPr marL="91425" marR="91425" marT="91425" marB="91425" horzOverflow="overflow">
@@ -4041,7 +4238,11 @@
                       <a:pPr algn="l">
                         <a:defRPr sz="1400"/>
                       </a:pPr>
-                      <a:endParaRPr/>
+                      <a:r>
+                        <a:rPr lang="en-US" dirty="0"/>
+                        <a:t>17.728</a:t>
+                      </a:r>
+                      <a:endParaRPr dirty="0"/>
                     </a:p>
                   </a:txBody>
                   <a:tcPr marL="91425" marR="91425" marT="91425" marB="91425" horzOverflow="overflow">
@@ -4076,7 +4277,11 @@
                       <a:pPr algn="l">
                         <a:defRPr sz="1400"/>
                       </a:pPr>
-                      <a:endParaRPr/>
+                      <a:r>
+                        <a:rPr lang="en-US" dirty="0"/>
+                        <a:t>18.075</a:t>
+                      </a:r>
+                      <a:endParaRPr dirty="0"/>
                     </a:p>
                   </a:txBody>
                   <a:tcPr marL="91425" marR="91425" marT="91425" marB="91425" horzOverflow="overflow">
@@ -4156,7 +4361,11 @@
                       <a:pPr algn="l">
                         <a:defRPr sz="1400"/>
                       </a:pPr>
-                      <a:endParaRPr/>
+                      <a:r>
+                        <a:rPr lang="en-US" dirty="0"/>
+                        <a:t>17.640</a:t>
+                      </a:r>
+                      <a:endParaRPr dirty="0"/>
                     </a:p>
                   </a:txBody>
                   <a:tcPr marL="91425" marR="91425" marT="91425" marB="91425" horzOverflow="overflow">
@@ -4191,7 +4400,11 @@
                       <a:pPr algn="l">
                         <a:defRPr sz="1400"/>
                       </a:pPr>
-                      <a:endParaRPr/>
+                      <a:r>
+                        <a:rPr lang="en-US" dirty="0"/>
+                        <a:t>16.982</a:t>
+                      </a:r>
+                      <a:endParaRPr dirty="0"/>
                     </a:p>
                   </a:txBody>
                   <a:tcPr marL="91425" marR="91425" marT="91425" marB="91425" horzOverflow="overflow">
@@ -4298,7 +4511,7 @@
         <p:spPr>
           <a:xfrm>
             <a:off x="455550" y="1026784"/>
-            <a:ext cx="8232900" cy="355665"/>
+            <a:ext cx="8232900" cy="553966"/>
           </a:xfrm>
           <a:prstGeom prst="rect">
             <a:avLst/>
@@ -4308,7 +4521,7 @@
           </a:ln>
           <a:extLst>
             <a:ext uri="{C572A759-6A51-4108-AA02-DFA0A04FC94B}">
-              <ma14:wrappingTextBoxFlag xmlns:ma14="http://schemas.microsoft.com/office/mac/drawingml/2011/main" xmlns:a14="http://schemas.microsoft.com/office/drawing/2010/main" xmlns:m="http://schemas.openxmlformats.org/officeDocument/2006/math" xmlns="" val="1"/>
+              <ma14:wrappingTextBoxFlag xmlns="" xmlns:m="http://schemas.openxmlformats.org/officeDocument/2006/math" xmlns:a14="http://schemas.microsoft.com/office/drawing/2010/main" xmlns:ma14="http://schemas.microsoft.com/office/mac/drawingml/2011/main" val="1"/>
             </a:ext>
           </a:extLst>
         </p:spPr>
@@ -4323,8 +4536,14 @@
           </a:lstStyle>
           <a:p>
             <a:r>
+              <a:rPr dirty="0"/>
               <a:t>a)</a:t>
             </a:r>
+            <a:r>
+              <a:rPr lang="en-US" dirty="0"/>
+              <a:t> Generally, the quantization error decreases with increasing number of bins. The decrease is more evident / drastic when clustering using hue values compared to clustering using RGB pixel values directly.</a:t>
+            </a:r>
+            <a:endParaRPr dirty="0"/>
           </a:p>
         </p:txBody>
       </p:sp>
@@ -4336,8 +4555,8 @@
         </p:nvSpPr>
         <p:spPr>
           <a:xfrm>
-            <a:off x="455550" y="2497922"/>
-            <a:ext cx="8232900" cy="355665"/>
+            <a:off x="455550" y="1977311"/>
+            <a:ext cx="8232900" cy="923297"/>
           </a:xfrm>
           <a:prstGeom prst="rect">
             <a:avLst/>
@@ -4347,7 +4566,7 @@
           </a:ln>
           <a:extLst>
             <a:ext uri="{C572A759-6A51-4108-AA02-DFA0A04FC94B}">
-              <ma14:wrappingTextBoxFlag xmlns:ma14="http://schemas.microsoft.com/office/mac/drawingml/2011/main" xmlns:a14="http://schemas.microsoft.com/office/drawing/2010/main" xmlns:m="http://schemas.openxmlformats.org/officeDocument/2006/math" xmlns="" val="1"/>
+              <ma14:wrappingTextBoxFlag xmlns="" xmlns:m="http://schemas.openxmlformats.org/officeDocument/2006/math" xmlns:a14="http://schemas.microsoft.com/office/drawing/2010/main" xmlns:ma14="http://schemas.microsoft.com/office/mac/drawingml/2011/main" val="1"/>
             </a:ext>
           </a:extLst>
         </p:spPr>
@@ -4362,8 +4581,14 @@
           </a:lstStyle>
           <a:p>
             <a:r>
+              <a:rPr dirty="0"/>
               <a:t>b)</a:t>
             </a:r>
+            <a:r>
+              <a:rPr lang="en-US" dirty="0"/>
+              <a:t> The RGB quantization was highly blurred where fish with similar colors blended together and the details such as texture are not preserved. The HSV quantization, though using the same number of bins (n = [3, 5, 10]), preserves most of the original image because only the hue channel are being reassigned to cluster centers whereas the saturation and the value channels remain the same as the original image.</a:t>
+            </a:r>
+            <a:endParaRPr dirty="0"/>
           </a:p>
         </p:txBody>
       </p:sp>
@@ -4375,8 +4600,8 @@
         </p:nvSpPr>
         <p:spPr>
           <a:xfrm>
-            <a:off x="455550" y="3969059"/>
-            <a:ext cx="8232900" cy="355665"/>
+            <a:off x="455550" y="3166189"/>
+            <a:ext cx="8232900" cy="369300"/>
           </a:xfrm>
           <a:prstGeom prst="rect">
             <a:avLst/>
@@ -4386,7 +4611,7 @@
           </a:ln>
           <a:extLst>
             <a:ext uri="{C572A759-6A51-4108-AA02-DFA0A04FC94B}">
-              <ma14:wrappingTextBoxFlag xmlns:ma14="http://schemas.microsoft.com/office/mac/drawingml/2011/main" xmlns:a14="http://schemas.microsoft.com/office/drawing/2010/main" xmlns:m="http://schemas.openxmlformats.org/officeDocument/2006/math" xmlns="" val="1"/>
+              <ma14:wrappingTextBoxFlag xmlns="" xmlns:m="http://schemas.openxmlformats.org/officeDocument/2006/math" xmlns:a14="http://schemas.microsoft.com/office/drawing/2010/main" xmlns:ma14="http://schemas.microsoft.com/office/mac/drawingml/2011/main" val="1"/>
             </a:ext>
           </a:extLst>
         </p:spPr>
@@ -4401,8 +4626,22 @@
           </a:lstStyle>
           <a:p>
             <a:r>
+              <a:rPr dirty="0"/>
               <a:t>c)</a:t>
             </a:r>
+            <a:r>
+              <a:rPr lang="en-US" dirty="0"/>
+              <a:t> </a:t>
+            </a:r>
+            <a:r>
+              <a:rPr lang="en-US" dirty="0" err="1"/>
+              <a:t>Euclidiean</a:t>
+            </a:r>
+            <a:r>
+              <a:rPr lang="en-US" dirty="0"/>
+              <a:t> distance or Manhattan distance can also be used as evaluation metrics   </a:t>
+            </a:r>
+            <a:endParaRPr dirty="0"/>
           </a:p>
         </p:txBody>
       </p:sp>
@@ -4621,7 +4860,7 @@
           </a:ln>
           <a:extLst>
             <a:ext uri="{C572A759-6A51-4108-AA02-DFA0A04FC94B}">
-              <ma14:wrappingTextBoxFlag xmlns:ma14="http://schemas.microsoft.com/office/mac/drawingml/2011/main" xmlns:a14="http://schemas.microsoft.com/office/drawing/2010/main" xmlns:m="http://schemas.openxmlformats.org/officeDocument/2006/math" xmlns="" val="1"/>
+              <ma14:wrappingTextBoxFlag xmlns="" xmlns:m="http://schemas.openxmlformats.org/officeDocument/2006/math" xmlns:a14="http://schemas.microsoft.com/office/drawing/2010/main" xmlns:ma14="http://schemas.microsoft.com/office/mac/drawingml/2011/main" val="1"/>
             </a:ext>
           </a:extLst>
         </p:spPr>

--- a/PS4/PS4_report_template.pptx
+++ b/PS4/PS4_report_template.pptx
@@ -3125,11 +3125,201 @@
           </a:lstStyle>
           <a:p>
             <a:r>
-              <a:t>&lt; Insert high-range threshold images and hough accumulator array here&gt;</a:t>
-            </a:r>
+              <a:rPr lang="en-US" dirty="0"/>
+              <a:t>threshold = 0.98</a:t>
+            </a:r>
+            <a:endParaRPr dirty="0"/>
           </a:p>
         </p:txBody>
       </p:sp>
+      <p:pic>
+        <p:nvPicPr>
+          <p:cNvPr id="4100" name="Picture 4">
+            <a:extLst>
+              <a:ext uri="{FF2B5EF4-FFF2-40B4-BE49-F238E27FC236}">
+                <a16:creationId xmlns:a16="http://schemas.microsoft.com/office/drawing/2014/main" id="{FC2C832A-F26F-4D12-9D3A-A0990773C95A}"/>
+              </a:ext>
+            </a:extLst>
+          </p:cNvPr>
+          <p:cNvPicPr>
+            <a:picLocks noChangeAspect="1" noChangeArrowheads="1"/>
+          </p:cNvPicPr>
+          <p:nvPr/>
+        </p:nvPicPr>
+        <p:blipFill>
+          <a:blip r:embed="rId2">
+            <a:extLst>
+              <a:ext uri="{28A0092B-C50C-407E-A947-70E740481C1C}">
+                <a14:useLocalDpi xmlns:a14="http://schemas.microsoft.com/office/drawing/2010/main" val="0"/>
+              </a:ext>
+            </a:extLst>
+          </a:blip>
+          <a:srcRect/>
+          <a:stretch>
+            <a:fillRect/>
+          </a:stretch>
+        </p:blipFill>
+        <p:spPr bwMode="auto">
+          <a:xfrm>
+            <a:off x="311699" y="1233623"/>
+            <a:ext cx="3905250" cy="1885950"/>
+          </a:xfrm>
+          <a:prstGeom prst="rect">
+            <a:avLst/>
+          </a:prstGeom>
+          <a:noFill/>
+          <a:extLst>
+            <a:ext uri="{909E8E84-426E-40DD-AFC4-6F175D3DCCD1}">
+              <a14:hiddenFill xmlns:a14="http://schemas.microsoft.com/office/drawing/2010/main">
+                <a:solidFill>
+                  <a:srgbClr val="FFFFFF"/>
+                </a:solidFill>
+              </a14:hiddenFill>
+            </a:ext>
+          </a:extLst>
+        </p:spPr>
+      </p:pic>
+      <p:pic>
+        <p:nvPicPr>
+          <p:cNvPr id="4102" name="Picture 6">
+            <a:extLst>
+              <a:ext uri="{FF2B5EF4-FFF2-40B4-BE49-F238E27FC236}">
+                <a16:creationId xmlns:a16="http://schemas.microsoft.com/office/drawing/2014/main" id="{97F54105-0E88-4B52-9AD6-9280C21FD6B5}"/>
+              </a:ext>
+            </a:extLst>
+          </p:cNvPr>
+          <p:cNvPicPr>
+            <a:picLocks noChangeAspect="1" noChangeArrowheads="1"/>
+          </p:cNvPicPr>
+          <p:nvPr/>
+        </p:nvPicPr>
+        <p:blipFill>
+          <a:blip r:embed="rId3">
+            <a:extLst>
+              <a:ext uri="{28A0092B-C50C-407E-A947-70E740481C1C}">
+                <a14:useLocalDpi xmlns:a14="http://schemas.microsoft.com/office/drawing/2010/main" val="0"/>
+              </a:ext>
+            </a:extLst>
+          </a:blip>
+          <a:srcRect/>
+          <a:stretch>
+            <a:fillRect/>
+          </a:stretch>
+        </p:blipFill>
+        <p:spPr bwMode="auto">
+          <a:xfrm>
+            <a:off x="311699" y="3119573"/>
+            <a:ext cx="3905250" cy="1885950"/>
+          </a:xfrm>
+          <a:prstGeom prst="rect">
+            <a:avLst/>
+          </a:prstGeom>
+          <a:noFill/>
+          <a:extLst>
+            <a:ext uri="{909E8E84-426E-40DD-AFC4-6F175D3DCCD1}">
+              <a14:hiddenFill xmlns:a14="http://schemas.microsoft.com/office/drawing/2010/main">
+                <a:solidFill>
+                  <a:srgbClr val="FFFFFF"/>
+                </a:solidFill>
+              </a14:hiddenFill>
+            </a:ext>
+          </a:extLst>
+        </p:spPr>
+      </p:pic>
+      <p:pic>
+        <p:nvPicPr>
+          <p:cNvPr id="4104" name="Picture 8">
+            <a:extLst>
+              <a:ext uri="{FF2B5EF4-FFF2-40B4-BE49-F238E27FC236}">
+                <a16:creationId xmlns:a16="http://schemas.microsoft.com/office/drawing/2014/main" id="{047FF56F-6839-4709-A948-F3C6BF8738F4}"/>
+              </a:ext>
+            </a:extLst>
+          </p:cNvPr>
+          <p:cNvPicPr>
+            <a:picLocks noChangeAspect="1" noChangeArrowheads="1"/>
+          </p:cNvPicPr>
+          <p:nvPr/>
+        </p:nvPicPr>
+        <p:blipFill>
+          <a:blip r:embed="rId4">
+            <a:extLst>
+              <a:ext uri="{28A0092B-C50C-407E-A947-70E740481C1C}">
+                <a14:useLocalDpi xmlns:a14="http://schemas.microsoft.com/office/drawing/2010/main" val="0"/>
+              </a:ext>
+            </a:extLst>
+          </a:blip>
+          <a:srcRect/>
+          <a:stretch>
+            <a:fillRect/>
+          </a:stretch>
+        </p:blipFill>
+        <p:spPr bwMode="auto">
+          <a:xfrm>
+            <a:off x="4216949" y="1233623"/>
+            <a:ext cx="3905250" cy="1885950"/>
+          </a:xfrm>
+          <a:prstGeom prst="rect">
+            <a:avLst/>
+          </a:prstGeom>
+          <a:noFill/>
+          <a:extLst>
+            <a:ext uri="{909E8E84-426E-40DD-AFC4-6F175D3DCCD1}">
+              <a14:hiddenFill xmlns:a14="http://schemas.microsoft.com/office/drawing/2010/main">
+                <a:solidFill>
+                  <a:srgbClr val="FFFFFF"/>
+                </a:solidFill>
+              </a14:hiddenFill>
+            </a:ext>
+          </a:extLst>
+        </p:spPr>
+      </p:pic>
+      <p:pic>
+        <p:nvPicPr>
+          <p:cNvPr id="4106" name="Picture 10">
+            <a:extLst>
+              <a:ext uri="{FF2B5EF4-FFF2-40B4-BE49-F238E27FC236}">
+                <a16:creationId xmlns:a16="http://schemas.microsoft.com/office/drawing/2014/main" id="{474B4317-7A08-49E3-93CB-5CA7A03353F6}"/>
+              </a:ext>
+            </a:extLst>
+          </p:cNvPr>
+          <p:cNvPicPr>
+            <a:picLocks noChangeAspect="1" noChangeArrowheads="1"/>
+          </p:cNvPicPr>
+          <p:nvPr/>
+        </p:nvPicPr>
+        <p:blipFill>
+          <a:blip r:embed="rId5">
+            <a:extLst>
+              <a:ext uri="{28A0092B-C50C-407E-A947-70E740481C1C}">
+                <a14:useLocalDpi xmlns:a14="http://schemas.microsoft.com/office/drawing/2010/main" val="0"/>
+              </a:ext>
+            </a:extLst>
+          </a:blip>
+          <a:srcRect/>
+          <a:stretch>
+            <a:fillRect/>
+          </a:stretch>
+        </p:blipFill>
+        <p:spPr bwMode="auto">
+          <a:xfrm>
+            <a:off x="4216949" y="3119573"/>
+            <a:ext cx="3905250" cy="1885950"/>
+          </a:xfrm>
+          <a:prstGeom prst="rect">
+            <a:avLst/>
+          </a:prstGeom>
+          <a:noFill/>
+          <a:extLst>
+            <a:ext uri="{909E8E84-426E-40DD-AFC4-6F175D3DCCD1}">
+              <a14:hiddenFill xmlns:a14="http://schemas.microsoft.com/office/drawing/2010/main">
+                <a:solidFill>
+                  <a:srgbClr val="FFFFFF"/>
+                </a:solidFill>
+              </a14:hiddenFill>
+            </a:ext>
+          </a:extLst>
+        </p:spPr>
+      </p:pic>
     </p:spTree>
   </p:cSld>
   <p:clrMapOvr>
@@ -3223,8 +3413,14 @@
           </a:lstStyle>
           <a:p>
             <a:r>
-              <a:t>&lt; Explain how results vary with increasing thresholds&gt;</a:t>
-            </a:r>
+              <a:rPr lang="en-US" dirty="0"/>
+              <a:t>The threshold for determining whether or not a point has received enough votes to be considered a circle center is a hyperparameter we can tune in our Hough transform implementation. The number of centers returned decreases as the threshold increases, thus only returning circle centers that have a high confidence. For a synthetic image like this one, it makes sense to use a high confidence value because the edge is clear and easily detectable. But for a real image, the threshold may need to be lowered if the desired application requires detecting circles that aren’t </a:t>
+            </a:r>
+            <a:r>
+              <a:rPr lang="en-US"/>
+              <a:t>as obvious.</a:t>
+            </a:r>
+            <a:endParaRPr lang="en-US" dirty="0"/>
           </a:p>
         </p:txBody>
       </p:sp>
@@ -3301,15 +3497,17 @@
         </p:nvSpPr>
         <p:spPr>
           <a:xfrm>
-            <a:off x="264565" y="982793"/>
-            <a:ext cx="8197079" cy="3416401"/>
+            <a:off x="311699" y="982793"/>
+            <a:ext cx="8149945" cy="3814343"/>
           </a:xfrm>
           <a:prstGeom prst="rect">
             <a:avLst/>
           </a:prstGeom>
         </p:spPr>
         <p:txBody>
-          <a:bodyPr/>
+          <a:bodyPr>
+            <a:normAutofit fontScale="92500" lnSpcReduction="10000"/>
+          </a:bodyPr>
           <a:lstStyle>
             <a:lvl1pPr marL="0" indent="0">
               <a:spcBef>
@@ -3321,11 +3519,91 @@
           </a:lstStyle>
           <a:p>
             <a:r>
-              <a:t>&lt; Include image showing detected circles here &gt;</a:t>
-            </a:r>
+              <a:rPr lang="en-US" dirty="0" err="1"/>
+              <a:t>useGradient</a:t>
+            </a:r>
+            <a:r>
+              <a:rPr lang="en-US" dirty="0"/>
+              <a:t> = True, radius = 17.6, thresh = 0.3</a:t>
+            </a:r>
+          </a:p>
+          <a:p>
+            <a:endParaRPr lang="en-US" dirty="0"/>
+          </a:p>
+          <a:p>
+            <a:endParaRPr lang="en-US" dirty="0"/>
+          </a:p>
+          <a:p>
+            <a:endParaRPr lang="en-US" dirty="0"/>
+          </a:p>
+          <a:p>
+            <a:endParaRPr lang="en-US" dirty="0"/>
+          </a:p>
+          <a:p>
+            <a:endParaRPr lang="en-US" dirty="0"/>
+          </a:p>
+          <a:p>
+            <a:endParaRPr lang="en-US" dirty="0"/>
+          </a:p>
+          <a:p>
+            <a:endParaRPr lang="en-US" dirty="0"/>
+          </a:p>
+          <a:p>
+            <a:r>
+              <a:rPr lang="en-US" sz="1000" dirty="0"/>
+              <a:t>(Side note: the gradient was negative compared to the synthetic image case, i.e. the edge pixels in the circles in the real image are lighter than the background, so I had to change the sign in the center equation (a = x – r*cos(theta); b = y – r*sin(theta)) to positive to be able to detect all the circles)</a:t>
+            </a:r>
+            <a:endParaRPr sz="1000" dirty="0"/>
           </a:p>
         </p:txBody>
       </p:sp>
+      <p:pic>
+        <p:nvPicPr>
+          <p:cNvPr id="1030" name="Picture 6">
+            <a:extLst>
+              <a:ext uri="{FF2B5EF4-FFF2-40B4-BE49-F238E27FC236}">
+                <a16:creationId xmlns:a16="http://schemas.microsoft.com/office/drawing/2014/main" id="{88984721-6A3C-455C-8559-783FD4973FE9}"/>
+              </a:ext>
+            </a:extLst>
+          </p:cNvPr>
+          <p:cNvPicPr>
+            <a:picLocks noChangeAspect="1" noChangeArrowheads="1"/>
+          </p:cNvPicPr>
+          <p:nvPr/>
+        </p:nvPicPr>
+        <p:blipFill>
+          <a:blip r:embed="rId2">
+            <a:extLst>
+              <a:ext uri="{28A0092B-C50C-407E-A947-70E740481C1C}">
+                <a14:useLocalDpi xmlns:a14="http://schemas.microsoft.com/office/drawing/2010/main" val="0"/>
+              </a:ext>
+            </a:extLst>
+          </a:blip>
+          <a:srcRect/>
+          <a:stretch>
+            <a:fillRect/>
+          </a:stretch>
+        </p:blipFill>
+        <p:spPr bwMode="auto">
+          <a:xfrm>
+            <a:off x="311699" y="1484451"/>
+            <a:ext cx="6896051" cy="2448018"/>
+          </a:xfrm>
+          <a:prstGeom prst="rect">
+            <a:avLst/>
+          </a:prstGeom>
+          <a:noFill/>
+          <a:extLst>
+            <a:ext uri="{909E8E84-426E-40DD-AFC4-6F175D3DCCD1}">
+              <a14:hiddenFill xmlns:a14="http://schemas.microsoft.com/office/drawing/2010/main">
+                <a:solidFill>
+                  <a:srgbClr val="FFFFFF"/>
+                </a:solidFill>
+              </a14:hiddenFill>
+            </a:ext>
+          </a:extLst>
+        </p:spPr>
+      </p:pic>
     </p:spTree>
   </p:cSld>
   <p:clrMapOvr>
@@ -3384,8 +3662,14 @@
           </a:lstStyle>
           <a:p>
             <a:r>
-              <a:t>&lt; Include image showing detected circles here &gt;</a:t>
-            </a:r>
+              <a:rPr lang="en-US" dirty="0"/>
+              <a:t>threshold = 0.22			</a:t>
+            </a:r>
+            <a:r>
+              <a:rPr lang="en-US"/>
+              <a:t>	threshold = 0.3</a:t>
+            </a:r>
+            <a:endParaRPr dirty="0"/>
           </a:p>
         </p:txBody>
       </p:sp>
@@ -3424,6 +3708,100 @@
           </a:p>
         </p:txBody>
       </p:sp>
+      <p:pic>
+        <p:nvPicPr>
+          <p:cNvPr id="2056" name="Picture 8">
+            <a:extLst>
+              <a:ext uri="{FF2B5EF4-FFF2-40B4-BE49-F238E27FC236}">
+                <a16:creationId xmlns:a16="http://schemas.microsoft.com/office/drawing/2014/main" id="{918791C9-352A-41DF-B3C6-2FF41995303C}"/>
+              </a:ext>
+            </a:extLst>
+          </p:cNvPr>
+          <p:cNvPicPr>
+            <a:picLocks noChangeAspect="1" noChangeArrowheads="1"/>
+          </p:cNvPicPr>
+          <p:nvPr/>
+        </p:nvPicPr>
+        <p:blipFill>
+          <a:blip r:embed="rId2">
+            <a:extLst>
+              <a:ext uri="{28A0092B-C50C-407E-A947-70E740481C1C}">
+                <a14:useLocalDpi xmlns:a14="http://schemas.microsoft.com/office/drawing/2010/main" val="0"/>
+              </a:ext>
+            </a:extLst>
+          </a:blip>
+          <a:srcRect/>
+          <a:stretch>
+            <a:fillRect/>
+          </a:stretch>
+        </p:blipFill>
+        <p:spPr bwMode="auto">
+          <a:xfrm>
+            <a:off x="311699" y="1461434"/>
+            <a:ext cx="3924662" cy="1909295"/>
+          </a:xfrm>
+          <a:prstGeom prst="rect">
+            <a:avLst/>
+          </a:prstGeom>
+          <a:noFill/>
+          <a:extLst>
+            <a:ext uri="{909E8E84-426E-40DD-AFC4-6F175D3DCCD1}">
+              <a14:hiddenFill xmlns:a14="http://schemas.microsoft.com/office/drawing/2010/main">
+                <a:solidFill>
+                  <a:srgbClr val="FFFFFF"/>
+                </a:solidFill>
+              </a14:hiddenFill>
+            </a:ext>
+          </a:extLst>
+        </p:spPr>
+      </p:pic>
+      <p:pic>
+        <p:nvPicPr>
+          <p:cNvPr id="2058" name="Picture 10">
+            <a:extLst>
+              <a:ext uri="{FF2B5EF4-FFF2-40B4-BE49-F238E27FC236}">
+                <a16:creationId xmlns:a16="http://schemas.microsoft.com/office/drawing/2014/main" id="{51DAE3D1-8B7D-4F26-831B-81416DB8DD0D}"/>
+              </a:ext>
+            </a:extLst>
+          </p:cNvPr>
+          <p:cNvPicPr>
+            <a:picLocks noChangeAspect="1" noChangeArrowheads="1"/>
+          </p:cNvPicPr>
+          <p:nvPr/>
+        </p:nvPicPr>
+        <p:blipFill>
+          <a:blip r:embed="rId3">
+            <a:extLst>
+              <a:ext uri="{28A0092B-C50C-407E-A947-70E740481C1C}">
+                <a14:useLocalDpi xmlns:a14="http://schemas.microsoft.com/office/drawing/2010/main" val="0"/>
+              </a:ext>
+            </a:extLst>
+          </a:blip>
+          <a:srcRect/>
+          <a:stretch>
+            <a:fillRect/>
+          </a:stretch>
+        </p:blipFill>
+        <p:spPr bwMode="auto">
+          <a:xfrm>
+            <a:off x="4716410" y="1461433"/>
+            <a:ext cx="3924662" cy="1895325"/>
+          </a:xfrm>
+          <a:prstGeom prst="rect">
+            <a:avLst/>
+          </a:prstGeom>
+          <a:noFill/>
+          <a:extLst>
+            <a:ext uri="{909E8E84-426E-40DD-AFC4-6F175D3DCCD1}">
+              <a14:hiddenFill xmlns:a14="http://schemas.microsoft.com/office/drawing/2010/main">
+                <a:solidFill>
+                  <a:srgbClr val="FFFFFF"/>
+                </a:solidFill>
+              </a14:hiddenFill>
+            </a:ext>
+          </a:extLst>
+        </p:spPr>
+      </p:pic>
     </p:spTree>
   </p:cSld>
   <p:clrMapOvr>
@@ -4737,8 +5115,63 @@
             </a:lvl1pPr>
           </a:lstStyle>
           <a:p>
-            <a:r>
-              <a:t>&lt; Briefly explain implementation in concise steps (bullet points / listed steps preferred)&gt;</a:t>
+            <a:pPr marL="285750" indent="-285750">
+              <a:buFont typeface="Arial" panose="020B0604020202020204" pitchFamily="34" charset="0"/>
+              <a:buChar char="•"/>
+            </a:pPr>
+            <a:r>
+              <a:rPr lang="en-US" dirty="0"/>
+              <a:t>Convert the image to grayscale and extract potential edge points using feature.canny()</a:t>
+            </a:r>
+          </a:p>
+          <a:p>
+            <a:pPr marL="285750" indent="-285750">
+              <a:buFont typeface="Arial" panose="020B0604020202020204" pitchFamily="34" charset="0"/>
+              <a:buChar char="•"/>
+            </a:pPr>
+            <a:r>
+              <a:rPr lang="en-US" dirty="0"/>
+              <a:t>Initialize a Hough accumulator array that is the same size as the original image</a:t>
+            </a:r>
+          </a:p>
+          <a:p>
+            <a:pPr marL="285750" indent="-285750">
+              <a:buFont typeface="Arial" panose="020B0604020202020204" pitchFamily="34" charset="0"/>
+              <a:buChar char="•"/>
+            </a:pPr>
+            <a:r>
+              <a:rPr lang="en-US" dirty="0"/>
+              <a:t>Discretize the range of theta values to iterate over</a:t>
+            </a:r>
+          </a:p>
+          <a:p>
+            <a:pPr marL="285750" indent="-285750">
+              <a:buFont typeface="Arial" panose="020B0604020202020204" pitchFamily="34" charset="0"/>
+              <a:buChar char="•"/>
+            </a:pPr>
+            <a:r>
+              <a:rPr lang="en-US" dirty="0"/>
+              <a:t>For every potential edge point, iterate over potential theta values, compute the center coordinate (a, b) that coordinate to the x, y, radius, and theta values given</a:t>
+            </a:r>
+          </a:p>
+          <a:p>
+            <a:pPr marL="285750" indent="-285750">
+              <a:buFont typeface="Arial" panose="020B0604020202020204" pitchFamily="34" charset="0"/>
+              <a:buChar char="•"/>
+            </a:pPr>
+            <a:r>
+              <a:rPr lang="en-US" dirty="0"/>
+              <a:t>Check to see if (a, b) falls within the boundary of the array; if so, increment the element in the Hough accumulator array that corresponds to that coordinate by 1</a:t>
+            </a:r>
+          </a:p>
+          <a:p>
+            <a:pPr marL="285750" indent="-285750">
+              <a:buFont typeface="Arial" panose="020B0604020202020204" pitchFamily="34" charset="0"/>
+              <a:buChar char="•"/>
+            </a:pPr>
+            <a:r>
+              <a:rPr lang="en-US" dirty="0"/>
+              <a:t>Points in the accumulator array that have received more votes than some threshold (a percentage of the maximum # of votes received by a singular point) are considered to be circle centers</a:t>
             </a:r>
           </a:p>
         </p:txBody>
@@ -4816,7 +5249,7 @@
         </p:nvSpPr>
         <p:spPr>
           <a:xfrm>
-            <a:off x="264565" y="982793"/>
+            <a:off x="310263" y="923700"/>
             <a:ext cx="3559283" cy="3416401"/>
           </a:xfrm>
           <a:prstGeom prst="rect">
@@ -4836,8 +5269,18 @@
           </a:lstStyle>
           <a:p>
             <a:r>
-              <a:t>&lt; Insert useGradient = True images here&gt;</a:t>
-            </a:r>
+              <a:rPr dirty="0" err="1"/>
+              <a:t>useGradient</a:t>
+            </a:r>
+            <a:r>
+              <a:rPr dirty="0"/>
+              <a:t> = </a:t>
+            </a:r>
+            <a:r>
+              <a:rPr lang="en-US" dirty="0"/>
+              <a:t>True</a:t>
+            </a:r>
+            <a:endParaRPr dirty="0"/>
           </a:p>
         </p:txBody>
       </p:sp>
@@ -4849,8 +5292,8 @@
         </p:nvSpPr>
         <p:spPr>
           <a:xfrm>
-            <a:off x="4742095" y="982793"/>
-            <a:ext cx="3896916" cy="3416401"/>
+            <a:off x="7005966" y="923699"/>
+            <a:ext cx="2094834" cy="3416401"/>
           </a:xfrm>
           <a:prstGeom prst="rect">
             <a:avLst/>
@@ -4893,11 +5336,526 @@
           </a:lstStyle>
           <a:p>
             <a:r>
-              <a:t>&lt; Insert useGradient = False images here&gt;</a:t>
-            </a:r>
+              <a:rPr dirty="0" err="1"/>
+              <a:t>useGradient</a:t>
+            </a:r>
+            <a:r>
+              <a:rPr dirty="0"/>
+              <a:t> = </a:t>
+            </a:r>
+            <a:r>
+              <a:rPr lang="en-US" dirty="0"/>
+              <a:t>False</a:t>
+            </a:r>
+            <a:endParaRPr dirty="0"/>
           </a:p>
         </p:txBody>
       </p:sp>
+      <p:pic>
+        <p:nvPicPr>
+          <p:cNvPr id="1028" name="Picture 4">
+            <a:extLst>
+              <a:ext uri="{FF2B5EF4-FFF2-40B4-BE49-F238E27FC236}">
+                <a16:creationId xmlns:a16="http://schemas.microsoft.com/office/drawing/2014/main" id="{4ED35C49-08CA-47F5-8637-C6957D177602}"/>
+              </a:ext>
+            </a:extLst>
+          </p:cNvPr>
+          <p:cNvPicPr>
+            <a:picLocks noChangeAspect="1" noChangeArrowheads="1"/>
+          </p:cNvPicPr>
+          <p:nvPr/>
+        </p:nvPicPr>
+        <p:blipFill>
+          <a:blip r:embed="rId2">
+            <a:extLst>
+              <a:ext uri="{28A0092B-C50C-407E-A947-70E740481C1C}">
+                <a14:useLocalDpi xmlns:a14="http://schemas.microsoft.com/office/drawing/2010/main" val="0"/>
+              </a:ext>
+            </a:extLst>
+          </a:blip>
+          <a:srcRect/>
+          <a:stretch>
+            <a:fillRect/>
+          </a:stretch>
+        </p:blipFill>
+        <p:spPr bwMode="auto">
+          <a:xfrm>
+            <a:off x="6185598" y="2502350"/>
+            <a:ext cx="2560797" cy="1236678"/>
+          </a:xfrm>
+          <a:prstGeom prst="rect">
+            <a:avLst/>
+          </a:prstGeom>
+          <a:noFill/>
+          <a:extLst>
+            <a:ext uri="{909E8E84-426E-40DD-AFC4-6F175D3DCCD1}">
+              <a14:hiddenFill xmlns:a14="http://schemas.microsoft.com/office/drawing/2010/main">
+                <a:solidFill>
+                  <a:srgbClr val="FFFFFF"/>
+                </a:solidFill>
+              </a14:hiddenFill>
+            </a:ext>
+          </a:extLst>
+        </p:spPr>
+      </p:pic>
+      <p:pic>
+        <p:nvPicPr>
+          <p:cNvPr id="1032" name="Picture 8">
+            <a:extLst>
+              <a:ext uri="{FF2B5EF4-FFF2-40B4-BE49-F238E27FC236}">
+                <a16:creationId xmlns:a16="http://schemas.microsoft.com/office/drawing/2014/main" id="{AD0ED067-83D7-4163-BF7C-44E35BFD9BEF}"/>
+              </a:ext>
+            </a:extLst>
+          </p:cNvPr>
+          <p:cNvPicPr>
+            <a:picLocks noChangeAspect="1" noChangeArrowheads="1"/>
+          </p:cNvPicPr>
+          <p:nvPr/>
+        </p:nvPicPr>
+        <p:blipFill>
+          <a:blip r:embed="rId3">
+            <a:extLst>
+              <a:ext uri="{28A0092B-C50C-407E-A947-70E740481C1C}">
+                <a14:useLocalDpi xmlns:a14="http://schemas.microsoft.com/office/drawing/2010/main" val="0"/>
+              </a:ext>
+            </a:extLst>
+          </a:blip>
+          <a:srcRect/>
+          <a:stretch>
+            <a:fillRect/>
+          </a:stretch>
+        </p:blipFill>
+        <p:spPr bwMode="auto">
+          <a:xfrm>
+            <a:off x="3617876" y="3734320"/>
+            <a:ext cx="2560799" cy="1236678"/>
+          </a:xfrm>
+          <a:prstGeom prst="rect">
+            <a:avLst/>
+          </a:prstGeom>
+          <a:noFill/>
+          <a:extLst>
+            <a:ext uri="{909E8E84-426E-40DD-AFC4-6F175D3DCCD1}">
+              <a14:hiddenFill xmlns:a14="http://schemas.microsoft.com/office/drawing/2010/main">
+                <a:solidFill>
+                  <a:srgbClr val="FFFFFF"/>
+                </a:solidFill>
+              </a14:hiddenFill>
+            </a:ext>
+          </a:extLst>
+        </p:spPr>
+      </p:pic>
+      <p:pic>
+        <p:nvPicPr>
+          <p:cNvPr id="9" name="Picture 2">
+            <a:extLst>
+              <a:ext uri="{FF2B5EF4-FFF2-40B4-BE49-F238E27FC236}">
+                <a16:creationId xmlns:a16="http://schemas.microsoft.com/office/drawing/2014/main" id="{BE0A1384-B246-4F54-9752-48293E9AEF39}"/>
+              </a:ext>
+            </a:extLst>
+          </p:cNvPr>
+          <p:cNvPicPr>
+            <a:picLocks noChangeAspect="1" noChangeArrowheads="1"/>
+          </p:cNvPicPr>
+          <p:nvPr/>
+        </p:nvPicPr>
+        <p:blipFill>
+          <a:blip r:embed="rId4">
+            <a:extLst>
+              <a:ext uri="{28A0092B-C50C-407E-A947-70E740481C1C}">
+                <a14:useLocalDpi xmlns:a14="http://schemas.microsoft.com/office/drawing/2010/main" val="0"/>
+              </a:ext>
+            </a:extLst>
+          </a:blip>
+          <a:srcRect/>
+          <a:stretch>
+            <a:fillRect/>
+          </a:stretch>
+        </p:blipFill>
+        <p:spPr bwMode="auto">
+          <a:xfrm>
+            <a:off x="6185598" y="1275468"/>
+            <a:ext cx="2559665" cy="1236131"/>
+          </a:xfrm>
+          <a:prstGeom prst="rect">
+            <a:avLst/>
+          </a:prstGeom>
+          <a:noFill/>
+          <a:extLst>
+            <a:ext uri="{909E8E84-426E-40DD-AFC4-6F175D3DCCD1}">
+              <a14:hiddenFill xmlns:a14="http://schemas.microsoft.com/office/drawing/2010/main">
+                <a:solidFill>
+                  <a:srgbClr val="FFFFFF"/>
+                </a:solidFill>
+              </a14:hiddenFill>
+            </a:ext>
+          </a:extLst>
+        </p:spPr>
+      </p:pic>
+      <p:pic>
+        <p:nvPicPr>
+          <p:cNvPr id="10" name="Picture 6">
+            <a:extLst>
+              <a:ext uri="{FF2B5EF4-FFF2-40B4-BE49-F238E27FC236}">
+                <a16:creationId xmlns:a16="http://schemas.microsoft.com/office/drawing/2014/main" id="{371363EE-BFB1-4A33-86BC-35192575852F}"/>
+              </a:ext>
+            </a:extLst>
+          </p:cNvPr>
+          <p:cNvPicPr>
+            <a:picLocks noChangeAspect="1" noChangeArrowheads="1"/>
+          </p:cNvPicPr>
+          <p:nvPr/>
+        </p:nvPicPr>
+        <p:blipFill>
+          <a:blip r:embed="rId5">
+            <a:extLst>
+              <a:ext uri="{28A0092B-C50C-407E-A947-70E740481C1C}">
+                <a14:useLocalDpi xmlns:a14="http://schemas.microsoft.com/office/drawing/2010/main" val="0"/>
+              </a:ext>
+            </a:extLst>
+          </a:blip>
+          <a:srcRect/>
+          <a:stretch>
+            <a:fillRect/>
+          </a:stretch>
+        </p:blipFill>
+        <p:spPr bwMode="auto">
+          <a:xfrm>
+            <a:off x="6185598" y="3723668"/>
+            <a:ext cx="2582855" cy="1247330"/>
+          </a:xfrm>
+          <a:prstGeom prst="rect">
+            <a:avLst/>
+          </a:prstGeom>
+          <a:noFill/>
+          <a:extLst>
+            <a:ext uri="{909E8E84-426E-40DD-AFC4-6F175D3DCCD1}">
+              <a14:hiddenFill xmlns:a14="http://schemas.microsoft.com/office/drawing/2010/main">
+                <a:solidFill>
+                  <a:srgbClr val="FFFFFF"/>
+                </a:solidFill>
+              </a14:hiddenFill>
+            </a:ext>
+          </a:extLst>
+        </p:spPr>
+      </p:pic>
+      <p:pic>
+        <p:nvPicPr>
+          <p:cNvPr id="1026" name="Picture 2">
+            <a:extLst>
+              <a:ext uri="{FF2B5EF4-FFF2-40B4-BE49-F238E27FC236}">
+                <a16:creationId xmlns:a16="http://schemas.microsoft.com/office/drawing/2014/main" id="{3F9A95AC-CA0F-43A9-B81B-6BA90E847B40}"/>
+              </a:ext>
+            </a:extLst>
+          </p:cNvPr>
+          <p:cNvPicPr>
+            <a:picLocks noChangeAspect="1" noChangeArrowheads="1"/>
+          </p:cNvPicPr>
+          <p:nvPr/>
+        </p:nvPicPr>
+        <p:blipFill>
+          <a:blip r:embed="rId6">
+            <a:extLst>
+              <a:ext uri="{28A0092B-C50C-407E-A947-70E740481C1C}">
+                <a14:useLocalDpi xmlns:a14="http://schemas.microsoft.com/office/drawing/2010/main" val="0"/>
+              </a:ext>
+            </a:extLst>
+          </a:blip>
+          <a:srcRect/>
+          <a:stretch>
+            <a:fillRect/>
+          </a:stretch>
+        </p:blipFill>
+        <p:spPr bwMode="auto">
+          <a:xfrm>
+            <a:off x="311699" y="1264262"/>
+            <a:ext cx="2563717" cy="1238088"/>
+          </a:xfrm>
+          <a:prstGeom prst="rect">
+            <a:avLst/>
+          </a:prstGeom>
+          <a:noFill/>
+          <a:extLst>
+            <a:ext uri="{909E8E84-426E-40DD-AFC4-6F175D3DCCD1}">
+              <a14:hiddenFill xmlns:a14="http://schemas.microsoft.com/office/drawing/2010/main">
+                <a:solidFill>
+                  <a:srgbClr val="FFFFFF"/>
+                </a:solidFill>
+              </a14:hiddenFill>
+            </a:ext>
+          </a:extLst>
+        </p:spPr>
+      </p:pic>
+      <p:pic>
+        <p:nvPicPr>
+          <p:cNvPr id="2" name="Picture 4">
+            <a:extLst>
+              <a:ext uri="{FF2B5EF4-FFF2-40B4-BE49-F238E27FC236}">
+                <a16:creationId xmlns:a16="http://schemas.microsoft.com/office/drawing/2014/main" id="{3961D232-D168-40F6-995B-CF08F7094AB5}"/>
+              </a:ext>
+            </a:extLst>
+          </p:cNvPr>
+          <p:cNvPicPr>
+            <a:picLocks noChangeAspect="1" noChangeArrowheads="1"/>
+          </p:cNvPicPr>
+          <p:nvPr/>
+        </p:nvPicPr>
+        <p:blipFill>
+          <a:blip r:embed="rId7">
+            <a:extLst>
+              <a:ext uri="{28A0092B-C50C-407E-A947-70E740481C1C}">
+                <a14:useLocalDpi xmlns:a14="http://schemas.microsoft.com/office/drawing/2010/main" val="0"/>
+              </a:ext>
+            </a:extLst>
+          </a:blip>
+          <a:srcRect/>
+          <a:stretch>
+            <a:fillRect/>
+          </a:stretch>
+        </p:blipFill>
+        <p:spPr bwMode="auto">
+          <a:xfrm>
+            <a:off x="311699" y="2486177"/>
+            <a:ext cx="2563717" cy="1238088"/>
+          </a:xfrm>
+          <a:prstGeom prst="rect">
+            <a:avLst/>
+          </a:prstGeom>
+          <a:noFill/>
+          <a:extLst>
+            <a:ext uri="{909E8E84-426E-40DD-AFC4-6F175D3DCCD1}">
+              <a14:hiddenFill xmlns:a14="http://schemas.microsoft.com/office/drawing/2010/main">
+                <a:solidFill>
+                  <a:srgbClr val="FFFFFF"/>
+                </a:solidFill>
+              </a14:hiddenFill>
+            </a:ext>
+          </a:extLst>
+        </p:spPr>
+      </p:pic>
+      <p:pic>
+        <p:nvPicPr>
+          <p:cNvPr id="1030" name="Picture 6">
+            <a:extLst>
+              <a:ext uri="{FF2B5EF4-FFF2-40B4-BE49-F238E27FC236}">
+                <a16:creationId xmlns:a16="http://schemas.microsoft.com/office/drawing/2014/main" id="{C4B9FB83-7089-4E58-BACE-2EF230A17029}"/>
+              </a:ext>
+            </a:extLst>
+          </p:cNvPr>
+          <p:cNvPicPr>
+            <a:picLocks noChangeAspect="1" noChangeArrowheads="1"/>
+          </p:cNvPicPr>
+          <p:nvPr/>
+        </p:nvPicPr>
+        <p:blipFill>
+          <a:blip r:embed="rId8">
+            <a:extLst>
+              <a:ext uri="{28A0092B-C50C-407E-A947-70E740481C1C}">
+                <a14:useLocalDpi xmlns:a14="http://schemas.microsoft.com/office/drawing/2010/main" val="0"/>
+              </a:ext>
+            </a:extLst>
+          </a:blip>
+          <a:srcRect/>
+          <a:stretch>
+            <a:fillRect/>
+          </a:stretch>
+        </p:blipFill>
+        <p:spPr bwMode="auto">
+          <a:xfrm>
+            <a:off x="311699" y="3724265"/>
+            <a:ext cx="2559666" cy="1236131"/>
+          </a:xfrm>
+          <a:prstGeom prst="rect">
+            <a:avLst/>
+          </a:prstGeom>
+          <a:noFill/>
+          <a:extLst>
+            <a:ext uri="{909E8E84-426E-40DD-AFC4-6F175D3DCCD1}">
+              <a14:hiddenFill xmlns:a14="http://schemas.microsoft.com/office/drawing/2010/main">
+                <a:solidFill>
+                  <a:srgbClr val="FFFFFF"/>
+                </a:solidFill>
+              </a14:hiddenFill>
+            </a:ext>
+          </a:extLst>
+        </p:spPr>
+      </p:pic>
+      <p:pic>
+        <p:nvPicPr>
+          <p:cNvPr id="3" name="Picture 8">
+            <a:extLst>
+              <a:ext uri="{FF2B5EF4-FFF2-40B4-BE49-F238E27FC236}">
+                <a16:creationId xmlns:a16="http://schemas.microsoft.com/office/drawing/2014/main" id="{FFE64FF5-E9DC-472A-A2F2-8312ECDE20C9}"/>
+              </a:ext>
+            </a:extLst>
+          </p:cNvPr>
+          <p:cNvPicPr>
+            <a:picLocks noChangeAspect="1" noChangeArrowheads="1"/>
+          </p:cNvPicPr>
+          <p:nvPr/>
+        </p:nvPicPr>
+        <p:blipFill>
+          <a:blip r:embed="rId9">
+            <a:extLst>
+              <a:ext uri="{28A0092B-C50C-407E-A947-70E740481C1C}">
+                <a14:useLocalDpi xmlns:a14="http://schemas.microsoft.com/office/drawing/2010/main" val="0"/>
+              </a:ext>
+            </a:extLst>
+          </a:blip>
+          <a:srcRect/>
+          <a:stretch>
+            <a:fillRect/>
+          </a:stretch>
+        </p:blipFill>
+        <p:spPr bwMode="auto">
+          <a:xfrm>
+            <a:off x="2857919" y="1275469"/>
+            <a:ext cx="2559665" cy="1236131"/>
+          </a:xfrm>
+          <a:prstGeom prst="rect">
+            <a:avLst/>
+          </a:prstGeom>
+          <a:noFill/>
+          <a:extLst>
+            <a:ext uri="{909E8E84-426E-40DD-AFC4-6F175D3DCCD1}">
+              <a14:hiddenFill xmlns:a14="http://schemas.microsoft.com/office/drawing/2010/main">
+                <a:solidFill>
+                  <a:srgbClr val="FFFFFF"/>
+                </a:solidFill>
+              </a14:hiddenFill>
+            </a:ext>
+          </a:extLst>
+        </p:spPr>
+      </p:pic>
+      <p:cxnSp>
+        <p:nvCxnSpPr>
+          <p:cNvPr id="5" name="Straight Connector 4">
+            <a:extLst>
+              <a:ext uri="{FF2B5EF4-FFF2-40B4-BE49-F238E27FC236}">
+                <a16:creationId xmlns:a16="http://schemas.microsoft.com/office/drawing/2014/main" id="{641DE1CD-B913-4B77-92B9-CC21DC4754F6}"/>
+              </a:ext>
+            </a:extLst>
+          </p:cNvPr>
+          <p:cNvCxnSpPr>
+            <a:cxnSpLocks/>
+          </p:cNvCxnSpPr>
+          <p:nvPr/>
+        </p:nvCxnSpPr>
+        <p:spPr>
+          <a:xfrm>
+            <a:off x="5788800" y="1017726"/>
+            <a:ext cx="0" cy="2087495"/>
+          </a:xfrm>
+          <a:prstGeom prst="line">
+            <a:avLst/>
+          </a:prstGeom>
+          <a:ln w="19050">
+            <a:solidFill>
+              <a:schemeClr val="tx1"/>
+            </a:solidFill>
+          </a:ln>
+        </p:spPr>
+        <p:style>
+          <a:lnRef idx="1">
+            <a:schemeClr val="dk1"/>
+          </a:lnRef>
+          <a:fillRef idx="0">
+            <a:schemeClr val="dk1"/>
+          </a:fillRef>
+          <a:effectRef idx="0">
+            <a:schemeClr val="dk1"/>
+          </a:effectRef>
+          <a:fontRef idx="minor">
+            <a:schemeClr val="tx1"/>
+          </a:fontRef>
+        </p:style>
+      </p:cxnSp>
+      <p:cxnSp>
+        <p:nvCxnSpPr>
+          <p:cNvPr id="19" name="Straight Connector 18">
+            <a:extLst>
+              <a:ext uri="{FF2B5EF4-FFF2-40B4-BE49-F238E27FC236}">
+                <a16:creationId xmlns:a16="http://schemas.microsoft.com/office/drawing/2014/main" id="{622FEC46-7592-4193-A807-B277499A8F47}"/>
+              </a:ext>
+            </a:extLst>
+          </p:cNvPr>
+          <p:cNvCxnSpPr>
+            <a:cxnSpLocks/>
+          </p:cNvCxnSpPr>
+          <p:nvPr/>
+        </p:nvCxnSpPr>
+        <p:spPr>
+          <a:xfrm>
+            <a:off x="3374400" y="3105221"/>
+            <a:ext cx="0" cy="1754779"/>
+          </a:xfrm>
+          <a:prstGeom prst="line">
+            <a:avLst/>
+          </a:prstGeom>
+          <a:ln w="19050">
+            <a:solidFill>
+              <a:schemeClr val="tx1"/>
+            </a:solidFill>
+          </a:ln>
+        </p:spPr>
+        <p:style>
+          <a:lnRef idx="1">
+            <a:schemeClr val="dk1"/>
+          </a:lnRef>
+          <a:fillRef idx="0">
+            <a:schemeClr val="dk1"/>
+          </a:fillRef>
+          <a:effectRef idx="0">
+            <a:schemeClr val="dk1"/>
+          </a:effectRef>
+          <a:fontRef idx="minor">
+            <a:schemeClr val="tx1"/>
+          </a:fontRef>
+        </p:style>
+      </p:cxnSp>
+      <p:cxnSp>
+        <p:nvCxnSpPr>
+          <p:cNvPr id="23" name="Straight Connector 22">
+            <a:extLst>
+              <a:ext uri="{FF2B5EF4-FFF2-40B4-BE49-F238E27FC236}">
+                <a16:creationId xmlns:a16="http://schemas.microsoft.com/office/drawing/2014/main" id="{565F9765-3B0B-42E4-BC2A-978A7D1EB28A}"/>
+              </a:ext>
+            </a:extLst>
+          </p:cNvPr>
+          <p:cNvCxnSpPr>
+            <a:cxnSpLocks/>
+          </p:cNvCxnSpPr>
+          <p:nvPr/>
+        </p:nvCxnSpPr>
+        <p:spPr>
+          <a:xfrm flipH="1">
+            <a:off x="3374400" y="3105221"/>
+            <a:ext cx="2414400" cy="0"/>
+          </a:xfrm>
+          <a:prstGeom prst="line">
+            <a:avLst/>
+          </a:prstGeom>
+          <a:ln w="19050">
+            <a:solidFill>
+              <a:schemeClr val="tx1"/>
+            </a:solidFill>
+          </a:ln>
+        </p:spPr>
+        <p:style>
+          <a:lnRef idx="1">
+            <a:schemeClr val="dk1"/>
+          </a:lnRef>
+          <a:fillRef idx="0">
+            <a:schemeClr val="dk1"/>
+          </a:fillRef>
+          <a:effectRef idx="0">
+            <a:schemeClr val="dk1"/>
+          </a:effectRef>
+          <a:fontRef idx="minor">
+            <a:schemeClr val="tx1"/>
+          </a:fontRef>
+        </p:style>
+      </p:cxnSp>
     </p:spTree>
   </p:cSld>
   <p:clrMapOvr>
@@ -4991,11 +5949,201 @@
           </a:lstStyle>
           <a:p>
             <a:r>
-              <a:t>&lt; Insert low threshold images and hough accumulator array here&gt;</a:t>
-            </a:r>
+              <a:rPr lang="en-US" dirty="0"/>
+              <a:t>threshold = 0.40</a:t>
+            </a:r>
+            <a:endParaRPr dirty="0"/>
           </a:p>
         </p:txBody>
       </p:sp>
+      <p:pic>
+        <p:nvPicPr>
+          <p:cNvPr id="2058" name="Picture 10">
+            <a:extLst>
+              <a:ext uri="{FF2B5EF4-FFF2-40B4-BE49-F238E27FC236}">
+                <a16:creationId xmlns:a16="http://schemas.microsoft.com/office/drawing/2014/main" id="{8C985D3F-CE95-436D-87A6-F0830E39EFA4}"/>
+              </a:ext>
+            </a:extLst>
+          </p:cNvPr>
+          <p:cNvPicPr>
+            <a:picLocks noChangeAspect="1" noChangeArrowheads="1"/>
+          </p:cNvPicPr>
+          <p:nvPr/>
+        </p:nvPicPr>
+        <p:blipFill>
+          <a:blip r:embed="rId2">
+            <a:extLst>
+              <a:ext uri="{28A0092B-C50C-407E-A947-70E740481C1C}">
+                <a14:useLocalDpi xmlns:a14="http://schemas.microsoft.com/office/drawing/2010/main" val="0"/>
+              </a:ext>
+            </a:extLst>
+          </a:blip>
+          <a:srcRect/>
+          <a:stretch>
+            <a:fillRect/>
+          </a:stretch>
+        </p:blipFill>
+        <p:spPr bwMode="auto">
+          <a:xfrm>
+            <a:off x="311699" y="1240155"/>
+            <a:ext cx="3905250" cy="1885950"/>
+          </a:xfrm>
+          <a:prstGeom prst="rect">
+            <a:avLst/>
+          </a:prstGeom>
+          <a:noFill/>
+          <a:extLst>
+            <a:ext uri="{909E8E84-426E-40DD-AFC4-6F175D3DCCD1}">
+              <a14:hiddenFill xmlns:a14="http://schemas.microsoft.com/office/drawing/2010/main">
+                <a:solidFill>
+                  <a:srgbClr val="FFFFFF"/>
+                </a:solidFill>
+              </a14:hiddenFill>
+            </a:ext>
+          </a:extLst>
+        </p:spPr>
+      </p:pic>
+      <p:pic>
+        <p:nvPicPr>
+          <p:cNvPr id="2060" name="Picture 12">
+            <a:extLst>
+              <a:ext uri="{FF2B5EF4-FFF2-40B4-BE49-F238E27FC236}">
+                <a16:creationId xmlns:a16="http://schemas.microsoft.com/office/drawing/2014/main" id="{2695EA97-10B9-4F0F-A349-232B89A35FCE}"/>
+              </a:ext>
+            </a:extLst>
+          </p:cNvPr>
+          <p:cNvPicPr>
+            <a:picLocks noChangeAspect="1" noChangeArrowheads="1"/>
+          </p:cNvPicPr>
+          <p:nvPr/>
+        </p:nvPicPr>
+        <p:blipFill>
+          <a:blip r:embed="rId3">
+            <a:extLst>
+              <a:ext uri="{28A0092B-C50C-407E-A947-70E740481C1C}">
+                <a14:useLocalDpi xmlns:a14="http://schemas.microsoft.com/office/drawing/2010/main" val="0"/>
+              </a:ext>
+            </a:extLst>
+          </a:blip>
+          <a:srcRect/>
+          <a:stretch>
+            <a:fillRect/>
+          </a:stretch>
+        </p:blipFill>
+        <p:spPr bwMode="auto">
+          <a:xfrm>
+            <a:off x="311699" y="3126105"/>
+            <a:ext cx="3905250" cy="1885950"/>
+          </a:xfrm>
+          <a:prstGeom prst="rect">
+            <a:avLst/>
+          </a:prstGeom>
+          <a:noFill/>
+          <a:extLst>
+            <a:ext uri="{909E8E84-426E-40DD-AFC4-6F175D3DCCD1}">
+              <a14:hiddenFill xmlns:a14="http://schemas.microsoft.com/office/drawing/2010/main">
+                <a:solidFill>
+                  <a:srgbClr val="FFFFFF"/>
+                </a:solidFill>
+              </a14:hiddenFill>
+            </a:ext>
+          </a:extLst>
+        </p:spPr>
+      </p:pic>
+      <p:pic>
+        <p:nvPicPr>
+          <p:cNvPr id="2062" name="Picture 14">
+            <a:extLst>
+              <a:ext uri="{FF2B5EF4-FFF2-40B4-BE49-F238E27FC236}">
+                <a16:creationId xmlns:a16="http://schemas.microsoft.com/office/drawing/2014/main" id="{68FD4AF5-A957-47F7-A1C4-903DCFA0563D}"/>
+              </a:ext>
+            </a:extLst>
+          </p:cNvPr>
+          <p:cNvPicPr>
+            <a:picLocks noChangeAspect="1" noChangeArrowheads="1"/>
+          </p:cNvPicPr>
+          <p:nvPr/>
+        </p:nvPicPr>
+        <p:blipFill>
+          <a:blip r:embed="rId4">
+            <a:extLst>
+              <a:ext uri="{28A0092B-C50C-407E-A947-70E740481C1C}">
+                <a14:useLocalDpi xmlns:a14="http://schemas.microsoft.com/office/drawing/2010/main" val="0"/>
+              </a:ext>
+            </a:extLst>
+          </a:blip>
+          <a:srcRect/>
+          <a:stretch>
+            <a:fillRect/>
+          </a:stretch>
+        </p:blipFill>
+        <p:spPr bwMode="auto">
+          <a:xfrm>
+            <a:off x="4216949" y="1240155"/>
+            <a:ext cx="3905250" cy="1885950"/>
+          </a:xfrm>
+          <a:prstGeom prst="rect">
+            <a:avLst/>
+          </a:prstGeom>
+          <a:noFill/>
+          <a:extLst>
+            <a:ext uri="{909E8E84-426E-40DD-AFC4-6F175D3DCCD1}">
+              <a14:hiddenFill xmlns:a14="http://schemas.microsoft.com/office/drawing/2010/main">
+                <a:solidFill>
+                  <a:srgbClr val="FFFFFF"/>
+                </a:solidFill>
+              </a14:hiddenFill>
+            </a:ext>
+          </a:extLst>
+        </p:spPr>
+      </p:pic>
+      <p:pic>
+        <p:nvPicPr>
+          <p:cNvPr id="2064" name="Picture 16">
+            <a:extLst>
+              <a:ext uri="{FF2B5EF4-FFF2-40B4-BE49-F238E27FC236}">
+                <a16:creationId xmlns:a16="http://schemas.microsoft.com/office/drawing/2014/main" id="{117ABCAE-ADE4-40D0-8898-85480E799C91}"/>
+              </a:ext>
+            </a:extLst>
+          </p:cNvPr>
+          <p:cNvPicPr>
+            <a:picLocks noChangeAspect="1" noChangeArrowheads="1"/>
+          </p:cNvPicPr>
+          <p:nvPr/>
+        </p:nvPicPr>
+        <p:blipFill>
+          <a:blip r:embed="rId5">
+            <a:extLst>
+              <a:ext uri="{28A0092B-C50C-407E-A947-70E740481C1C}">
+                <a14:useLocalDpi xmlns:a14="http://schemas.microsoft.com/office/drawing/2010/main" val="0"/>
+              </a:ext>
+            </a:extLst>
+          </a:blip>
+          <a:srcRect/>
+          <a:stretch>
+            <a:fillRect/>
+          </a:stretch>
+        </p:blipFill>
+        <p:spPr bwMode="auto">
+          <a:xfrm>
+            <a:off x="4216949" y="3126105"/>
+            <a:ext cx="4105275" cy="1838325"/>
+          </a:xfrm>
+          <a:prstGeom prst="rect">
+            <a:avLst/>
+          </a:prstGeom>
+          <a:noFill/>
+          <a:extLst>
+            <a:ext uri="{909E8E84-426E-40DD-AFC4-6F175D3DCCD1}">
+              <a14:hiddenFill xmlns:a14="http://schemas.microsoft.com/office/drawing/2010/main">
+                <a:solidFill>
+                  <a:srgbClr val="FFFFFF"/>
+                </a:solidFill>
+              </a14:hiddenFill>
+            </a:ext>
+          </a:extLst>
+        </p:spPr>
+      </p:pic>
     </p:spTree>
   </p:cSld>
   <p:clrMapOvr>
@@ -5089,11 +6237,201 @@
           </a:lstStyle>
           <a:p>
             <a:r>
-              <a:t>&lt; Insert mid-range threshold images and hough accumulator array here&gt;</a:t>
-            </a:r>
+              <a:rPr lang="en-US" dirty="0"/>
+              <a:t>threshold = 0.7</a:t>
+            </a:r>
+            <a:endParaRPr dirty="0"/>
           </a:p>
         </p:txBody>
       </p:sp>
+      <p:pic>
+        <p:nvPicPr>
+          <p:cNvPr id="8" name="Picture 2">
+            <a:extLst>
+              <a:ext uri="{FF2B5EF4-FFF2-40B4-BE49-F238E27FC236}">
+                <a16:creationId xmlns:a16="http://schemas.microsoft.com/office/drawing/2014/main" id="{87E1B3E4-960A-4635-AC12-158D49257942}"/>
+              </a:ext>
+            </a:extLst>
+          </p:cNvPr>
+          <p:cNvPicPr>
+            <a:picLocks noChangeAspect="1" noChangeArrowheads="1"/>
+          </p:cNvPicPr>
+          <p:nvPr/>
+        </p:nvPicPr>
+        <p:blipFill>
+          <a:blip r:embed="rId2">
+            <a:extLst>
+              <a:ext uri="{28A0092B-C50C-407E-A947-70E740481C1C}">
+                <a14:useLocalDpi xmlns:a14="http://schemas.microsoft.com/office/drawing/2010/main" val="0"/>
+              </a:ext>
+            </a:extLst>
+          </a:blip>
+          <a:srcRect/>
+          <a:stretch>
+            <a:fillRect/>
+          </a:stretch>
+        </p:blipFill>
+        <p:spPr bwMode="auto">
+          <a:xfrm>
+            <a:off x="311699" y="1217295"/>
+            <a:ext cx="3905250" cy="1885950"/>
+          </a:xfrm>
+          <a:prstGeom prst="rect">
+            <a:avLst/>
+          </a:prstGeom>
+          <a:noFill/>
+          <a:extLst>
+            <a:ext uri="{909E8E84-426E-40DD-AFC4-6F175D3DCCD1}">
+              <a14:hiddenFill xmlns:a14="http://schemas.microsoft.com/office/drawing/2010/main">
+                <a:solidFill>
+                  <a:srgbClr val="FFFFFF"/>
+                </a:solidFill>
+              </a14:hiddenFill>
+            </a:ext>
+          </a:extLst>
+        </p:spPr>
+      </p:pic>
+      <p:pic>
+        <p:nvPicPr>
+          <p:cNvPr id="9" name="Picture 4">
+            <a:extLst>
+              <a:ext uri="{FF2B5EF4-FFF2-40B4-BE49-F238E27FC236}">
+                <a16:creationId xmlns:a16="http://schemas.microsoft.com/office/drawing/2014/main" id="{7325215A-E9B5-4A0A-9404-7B961D0B58D9}"/>
+              </a:ext>
+            </a:extLst>
+          </p:cNvPr>
+          <p:cNvPicPr>
+            <a:picLocks noChangeAspect="1" noChangeArrowheads="1"/>
+          </p:cNvPicPr>
+          <p:nvPr/>
+        </p:nvPicPr>
+        <p:blipFill>
+          <a:blip r:embed="rId3">
+            <a:extLst>
+              <a:ext uri="{28A0092B-C50C-407E-A947-70E740481C1C}">
+                <a14:useLocalDpi xmlns:a14="http://schemas.microsoft.com/office/drawing/2010/main" val="0"/>
+              </a:ext>
+            </a:extLst>
+          </a:blip>
+          <a:srcRect/>
+          <a:stretch>
+            <a:fillRect/>
+          </a:stretch>
+        </p:blipFill>
+        <p:spPr bwMode="auto">
+          <a:xfrm>
+            <a:off x="311699" y="3103245"/>
+            <a:ext cx="3905250" cy="1885950"/>
+          </a:xfrm>
+          <a:prstGeom prst="rect">
+            <a:avLst/>
+          </a:prstGeom>
+          <a:noFill/>
+          <a:extLst>
+            <a:ext uri="{909E8E84-426E-40DD-AFC4-6F175D3DCCD1}">
+              <a14:hiddenFill xmlns:a14="http://schemas.microsoft.com/office/drawing/2010/main">
+                <a:solidFill>
+                  <a:srgbClr val="FFFFFF"/>
+                </a:solidFill>
+              </a14:hiddenFill>
+            </a:ext>
+          </a:extLst>
+        </p:spPr>
+      </p:pic>
+      <p:pic>
+        <p:nvPicPr>
+          <p:cNvPr id="10" name="Picture 6">
+            <a:extLst>
+              <a:ext uri="{FF2B5EF4-FFF2-40B4-BE49-F238E27FC236}">
+                <a16:creationId xmlns:a16="http://schemas.microsoft.com/office/drawing/2014/main" id="{2F1523FA-064F-4D7B-BBCC-124DFAA95E8D}"/>
+              </a:ext>
+            </a:extLst>
+          </p:cNvPr>
+          <p:cNvPicPr>
+            <a:picLocks noChangeAspect="1" noChangeArrowheads="1"/>
+          </p:cNvPicPr>
+          <p:nvPr/>
+        </p:nvPicPr>
+        <p:blipFill>
+          <a:blip r:embed="rId4">
+            <a:extLst>
+              <a:ext uri="{28A0092B-C50C-407E-A947-70E740481C1C}">
+                <a14:useLocalDpi xmlns:a14="http://schemas.microsoft.com/office/drawing/2010/main" val="0"/>
+              </a:ext>
+            </a:extLst>
+          </a:blip>
+          <a:srcRect/>
+          <a:stretch>
+            <a:fillRect/>
+          </a:stretch>
+        </p:blipFill>
+        <p:spPr bwMode="auto">
+          <a:xfrm>
+            <a:off x="4216949" y="1217295"/>
+            <a:ext cx="3905250" cy="1885950"/>
+          </a:xfrm>
+          <a:prstGeom prst="rect">
+            <a:avLst/>
+          </a:prstGeom>
+          <a:noFill/>
+          <a:extLst>
+            <a:ext uri="{909E8E84-426E-40DD-AFC4-6F175D3DCCD1}">
+              <a14:hiddenFill xmlns:a14="http://schemas.microsoft.com/office/drawing/2010/main">
+                <a:solidFill>
+                  <a:srgbClr val="FFFFFF"/>
+                </a:solidFill>
+              </a14:hiddenFill>
+            </a:ext>
+          </a:extLst>
+        </p:spPr>
+      </p:pic>
+      <p:pic>
+        <p:nvPicPr>
+          <p:cNvPr id="11" name="Picture 8">
+            <a:extLst>
+              <a:ext uri="{FF2B5EF4-FFF2-40B4-BE49-F238E27FC236}">
+                <a16:creationId xmlns:a16="http://schemas.microsoft.com/office/drawing/2014/main" id="{9373FAAE-C4E1-4043-83C0-1DE1E582A30D}"/>
+              </a:ext>
+            </a:extLst>
+          </p:cNvPr>
+          <p:cNvPicPr>
+            <a:picLocks noChangeAspect="1" noChangeArrowheads="1"/>
+          </p:cNvPicPr>
+          <p:nvPr/>
+        </p:nvPicPr>
+        <p:blipFill>
+          <a:blip r:embed="rId5">
+            <a:extLst>
+              <a:ext uri="{28A0092B-C50C-407E-A947-70E740481C1C}">
+                <a14:useLocalDpi xmlns:a14="http://schemas.microsoft.com/office/drawing/2010/main" val="0"/>
+              </a:ext>
+            </a:extLst>
+          </a:blip>
+          <a:srcRect/>
+          <a:stretch>
+            <a:fillRect/>
+          </a:stretch>
+        </p:blipFill>
+        <p:spPr bwMode="auto">
+          <a:xfrm>
+            <a:off x="4216949" y="3103245"/>
+            <a:ext cx="3905250" cy="1885950"/>
+          </a:xfrm>
+          <a:prstGeom prst="rect">
+            <a:avLst/>
+          </a:prstGeom>
+          <a:noFill/>
+          <a:extLst>
+            <a:ext uri="{909E8E84-426E-40DD-AFC4-6F175D3DCCD1}">
+              <a14:hiddenFill xmlns:a14="http://schemas.microsoft.com/office/drawing/2010/main">
+                <a:solidFill>
+                  <a:srgbClr val="FFFFFF"/>
+                </a:solidFill>
+              </a14:hiddenFill>
+            </a:ext>
+          </a:extLst>
+        </p:spPr>
+      </p:pic>
     </p:spTree>
   </p:cSld>
   <p:clrMapOvr>
